--- a/HtmlProject/NodejsCompleteServer/Slide/天氣概況綜合資訊站.pptx
+++ b/HtmlProject/NodejsCompleteServer/Slide/天氣概況綜合資訊站.pptx
@@ -294,7 +294,7 @@
             <a:fld id="{BCE07298-A4E3-46A5-ACD8-E4B313F14FA0}" type="datetimeFigureOut">
               <a:rPr lang="zh-TW" altLang="en-US" smtClean="0"/>
               <a:pPr/>
-              <a:t>2016/8/8</a:t>
+              <a:t>2016/8/30</a:t>
             </a:fld>
             <a:endParaRPr lang="zh-TW" altLang="en-US"/>
           </a:p>
@@ -466,7 +466,7 @@
             <a:fld id="{BCE07298-A4E3-46A5-ACD8-E4B313F14FA0}" type="datetimeFigureOut">
               <a:rPr lang="zh-TW" altLang="en-US" smtClean="0"/>
               <a:pPr/>
-              <a:t>2016/8/8</a:t>
+              <a:t>2016/8/30</a:t>
             </a:fld>
             <a:endParaRPr lang="zh-TW" altLang="en-US"/>
           </a:p>
@@ -643,7 +643,7 @@
             <a:fld id="{BCE07298-A4E3-46A5-ACD8-E4B313F14FA0}" type="datetimeFigureOut">
               <a:rPr lang="zh-TW" altLang="en-US" smtClean="0"/>
               <a:pPr/>
-              <a:t>2016/8/8</a:t>
+              <a:t>2016/8/30</a:t>
             </a:fld>
             <a:endParaRPr lang="zh-TW" altLang="en-US"/>
           </a:p>
@@ -810,7 +810,7 @@
             <a:fld id="{BCE07298-A4E3-46A5-ACD8-E4B313F14FA0}" type="datetimeFigureOut">
               <a:rPr lang="zh-TW" altLang="en-US" smtClean="0"/>
               <a:pPr/>
-              <a:t>2016/8/8</a:t>
+              <a:t>2016/8/30</a:t>
             </a:fld>
             <a:endParaRPr lang="zh-TW" altLang="en-US"/>
           </a:p>
@@ -1046,7 +1046,7 @@
             <a:fld id="{BCE07298-A4E3-46A5-ACD8-E4B313F14FA0}" type="datetimeFigureOut">
               <a:rPr lang="zh-TW" altLang="en-US" smtClean="0"/>
               <a:pPr/>
-              <a:t>2016/8/8</a:t>
+              <a:t>2016/8/30</a:t>
             </a:fld>
             <a:endParaRPr lang="zh-TW" altLang="en-US"/>
           </a:p>
@@ -1344,7 +1344,7 @@
             <a:fld id="{BCE07298-A4E3-46A5-ACD8-E4B313F14FA0}" type="datetimeFigureOut">
               <a:rPr lang="zh-TW" altLang="en-US" smtClean="0"/>
               <a:pPr/>
-              <a:t>2016/8/8</a:t>
+              <a:t>2016/8/30</a:t>
             </a:fld>
             <a:endParaRPr lang="zh-TW" altLang="en-US"/>
           </a:p>
@@ -1730,7 +1730,7 @@
             <a:fld id="{BCE07298-A4E3-46A5-ACD8-E4B313F14FA0}" type="datetimeFigureOut">
               <a:rPr lang="zh-TW" altLang="en-US" smtClean="0"/>
               <a:pPr/>
-              <a:t>2016/8/8</a:t>
+              <a:t>2016/8/30</a:t>
             </a:fld>
             <a:endParaRPr lang="zh-TW" altLang="en-US"/>
           </a:p>
@@ -1905,7 +1905,7 @@
             <a:fld id="{BCE07298-A4E3-46A5-ACD8-E4B313F14FA0}" type="datetimeFigureOut">
               <a:rPr lang="zh-TW" altLang="en-US" smtClean="0"/>
               <a:pPr/>
-              <a:t>2016/8/8</a:t>
+              <a:t>2016/8/30</a:t>
             </a:fld>
             <a:endParaRPr lang="zh-TW" altLang="en-US"/>
           </a:p>
@@ -1997,7 +1997,7 @@
             <a:fld id="{BCE07298-A4E3-46A5-ACD8-E4B313F14FA0}" type="datetimeFigureOut">
               <a:rPr lang="zh-TW" altLang="en-US" smtClean="0"/>
               <a:pPr/>
-              <a:t>2016/8/8</a:t>
+              <a:t>2016/8/30</a:t>
             </a:fld>
             <a:endParaRPr lang="zh-TW" altLang="en-US"/>
           </a:p>
@@ -2294,7 +2294,7 @@
             <a:fld id="{BCE07298-A4E3-46A5-ACD8-E4B313F14FA0}" type="datetimeFigureOut">
               <a:rPr lang="zh-TW" altLang="en-US" smtClean="0"/>
               <a:pPr/>
-              <a:t>2016/8/8</a:t>
+              <a:t>2016/8/30</a:t>
             </a:fld>
             <a:endParaRPr lang="zh-TW" altLang="en-US"/>
           </a:p>
@@ -2430,7 +2430,7 @@
             <a:fld id="{BCE07298-A4E3-46A5-ACD8-E4B313F14FA0}" type="datetimeFigureOut">
               <a:rPr lang="zh-TW" altLang="en-US" smtClean="0"/>
               <a:pPr/>
-              <a:t>2016/8/8</a:t>
+              <a:t>2016/8/30</a:t>
             </a:fld>
             <a:endParaRPr lang="zh-TW" altLang="en-US"/>
           </a:p>
@@ -2735,7 +2735,7 @@
             <a:fld id="{BCE07298-A4E3-46A5-ACD8-E4B313F14FA0}" type="datetimeFigureOut">
               <a:rPr lang="zh-TW" altLang="en-US" smtClean="0"/>
               <a:pPr/>
-              <a:t>2016/8/8</a:t>
+              <a:t>2016/8/30</a:t>
             </a:fld>
             <a:endParaRPr lang="zh-TW" altLang="en-US"/>
           </a:p>
@@ -3292,7 +3292,11 @@
           <a:p>
             <a:r>
               <a:rPr lang="zh-TW" altLang="en-US" dirty="0" smtClean="0"/>
-              <a:t>天氣概況綜合資訊站</a:t>
+              <a:t>天氣概況綜合</a:t>
+            </a:r>
+            <a:r>
+              <a:rPr lang="zh-TW" altLang="en-US" dirty="0" smtClean="0"/>
+              <a:t>資訊站</a:t>
             </a:r>
             <a:endParaRPr lang="zh-TW" altLang="en-US" dirty="0"/>
           </a:p>
